--- a/Калькулятор коэффициента Джини.pptx
+++ b/Калькулятор коэффициента Джини.pptx
@@ -6558,58 +6558,8 @@
               <a:t> </a:t>
             </a:r>
             <a:r>
-              <a:rPr lang="en-US" dirty="0" err="1"/>
+              <a:rPr lang="en-US"/>
               <a:t>pydantic</a:t>
-            </a:r>
-            <a:endParaRPr lang="ru-RU" dirty="0"/>
-          </a:p>
-          <a:p>
-            <a:pPr marL="0" indent="0">
-              <a:buNone/>
-            </a:pPr>
-            <a:r>
-              <a:rPr lang="ru-RU" dirty="0"/>
-              <a:t>6)</a:t>
-            </a:r>
-            <a:r>
-              <a:rPr lang="en-US" dirty="0"/>
-              <a:t> Typing </a:t>
-            </a:r>
-          </a:p>
-          <a:p>
-            <a:pPr marL="0" indent="0">
-              <a:buNone/>
-            </a:pPr>
-            <a:r>
-              <a:rPr lang="en-US" dirty="0"/>
-              <a:t>7) </a:t>
-            </a:r>
-            <a:r>
-              <a:rPr lang="en-US" dirty="0" err="1"/>
-              <a:t>uvicorn</a:t>
-            </a:r>
-            <a:endParaRPr lang="en-US" dirty="0"/>
-          </a:p>
-          <a:p>
-            <a:pPr marL="0" indent="0">
-              <a:buNone/>
-            </a:pPr>
-            <a:r>
-              <a:rPr lang="en-US" dirty="0"/>
-              <a:t>8) PIL</a:t>
-            </a:r>
-          </a:p>
-          <a:p>
-            <a:pPr marL="0" indent="0">
-              <a:buNone/>
-            </a:pPr>
-            <a:r>
-              <a:rPr lang="en-US" dirty="0"/>
-              <a:t>9) </a:t>
-            </a:r>
-            <a:r>
-              <a:rPr lang="en-US" dirty="0" err="1"/>
-              <a:t>asyncio</a:t>
             </a:r>
             <a:endParaRPr lang="ru-RU" dirty="0"/>
           </a:p>
